--- a/ppt/09-MVC.pptx
+++ b/ppt/09-MVC.pptx
@@ -540,7 +540,7 @@
         <p:nvSpPr>
           <p:cNvPr id="2052" name="Rectangle 4"/>
           <p:cNvSpPr>
-            <a:spLocks noChangeArrowheads="1" noTextEdit="1"/>
+            <a:spLocks noGrp="1" noRot="1" noChangeAspect="1" noChangeArrowheads="1" noTextEdit="1"/>
           </p:cNvSpPr>
           <p:nvPr>
             <p:ph type="sldImg" idx="2"/>
@@ -903,7 +903,7 @@
         <p:nvSpPr>
           <p:cNvPr id="6146" name="Rectangle 2"/>
           <p:cNvSpPr>
-            <a:spLocks noChangeArrowheads="1" noTextEdit="1"/>
+            <a:spLocks noGrp="1" noRot="1" noChangeAspect="1" noChangeArrowheads="1" noTextEdit="1"/>
           </p:cNvSpPr>
           <p:nvPr>
             <p:ph type="sldImg"/>
@@ -924,7 +924,7 @@
         <p:nvSpPr>
           <p:cNvPr id="6147" name="Rectangle 3"/>
           <p:cNvSpPr>
-            <a:spLocks noChangeArrowheads="1"/>
+            <a:spLocks noGrp="1" noChangeArrowheads="1"/>
           </p:cNvSpPr>
           <p:nvPr>
             <p:ph type="body" idx="1"/>
@@ -1170,7 +1170,7 @@
         <p:nvSpPr>
           <p:cNvPr id="8194" name="Rectangle 2"/>
           <p:cNvSpPr>
-            <a:spLocks noChangeArrowheads="1" noTextEdit="1"/>
+            <a:spLocks noGrp="1" noRot="1" noChangeAspect="1" noChangeArrowheads="1" noTextEdit="1"/>
           </p:cNvSpPr>
           <p:nvPr>
             <p:ph type="sldImg"/>
@@ -1191,7 +1191,7 @@
         <p:nvSpPr>
           <p:cNvPr id="8195" name="Rectangle 3"/>
           <p:cNvSpPr>
-            <a:spLocks noChangeArrowheads="1"/>
+            <a:spLocks noGrp="1" noChangeArrowheads="1"/>
           </p:cNvSpPr>
           <p:nvPr>
             <p:ph type="body" idx="1"/>
@@ -1437,7 +1437,7 @@
         <p:nvSpPr>
           <p:cNvPr id="10242" name="Rectangle 2"/>
           <p:cNvSpPr>
-            <a:spLocks noChangeArrowheads="1" noTextEdit="1"/>
+            <a:spLocks noGrp="1" noRot="1" noChangeAspect="1" noChangeArrowheads="1" noTextEdit="1"/>
           </p:cNvSpPr>
           <p:nvPr>
             <p:ph type="sldImg"/>
@@ -1458,7 +1458,7 @@
         <p:nvSpPr>
           <p:cNvPr id="10243" name="Rectangle 3"/>
           <p:cNvSpPr>
-            <a:spLocks noChangeArrowheads="1"/>
+            <a:spLocks noGrp="1" noChangeArrowheads="1"/>
           </p:cNvSpPr>
           <p:nvPr>
             <p:ph type="body" idx="1"/>
@@ -6066,6 +6066,47 @@
           </a:p>
         </p:txBody>
       </p:sp>
+      <p:pic>
+        <p:nvPicPr>
+          <p:cNvPr id="1026" name="Picture 2" descr="Spring MVC Tutorial"/>
+          <p:cNvPicPr>
+            <a:picLocks noChangeAspect="1" noChangeArrowheads="1"/>
+          </p:cNvPicPr>
+          <p:nvPr/>
+        </p:nvPicPr>
+        <p:blipFill>
+          <a:blip r:embed="rId2">
+            <a:extLst>
+              <a:ext uri="{28A0092B-C50C-407E-A947-70E740481C1C}">
+                <a14:useLocalDpi xmlns:a14="http://schemas.microsoft.com/office/drawing/2010/main" val="0"/>
+              </a:ext>
+            </a:extLst>
+          </a:blip>
+          <a:srcRect/>
+          <a:stretch>
+            <a:fillRect/>
+          </a:stretch>
+        </p:blipFill>
+        <p:spPr bwMode="auto">
+          <a:xfrm>
+            <a:off x="2123728" y="3861048"/>
+            <a:ext cx="4200525" cy="2105026"/>
+          </a:xfrm>
+          <a:prstGeom prst="rect">
+            <a:avLst/>
+          </a:prstGeom>
+          <a:noFill/>
+          <a:extLst>
+            <a:ext uri="{909E8E84-426E-40DD-AFC4-6F175D3DCCD1}">
+              <a14:hiddenFill xmlns:a14="http://schemas.microsoft.com/office/drawing/2010/main">
+                <a:solidFill>
+                  <a:srgbClr val="FFFFFF"/>
+                </a:solidFill>
+              </a14:hiddenFill>
+            </a:ext>
+          </a:extLst>
+        </p:spPr>
+      </p:pic>
     </p:spTree>
   </p:cSld>
   <p:clrMapOvr>
